--- a/파이썬 과제/파이썬 8강 과제 남정현.pptx
+++ b/파이썬 과제/파이썬 8강 과제 남정현.pptx
@@ -19,12 +19,7 @@
     <p:sldId id="278" r:id="rId13"/>
     <p:sldId id="279" r:id="rId14"/>
     <p:sldId id="280" r:id="rId15"/>
-    <p:sldId id="281" r:id="rId16"/>
-    <p:sldId id="282" r:id="rId17"/>
-    <p:sldId id="283" r:id="rId18"/>
-    <p:sldId id="284" r:id="rId19"/>
-    <p:sldId id="285" r:id="rId20"/>
-    <p:sldId id="286" r:id="rId21"/>
+    <p:sldId id="286" r:id="rId16"/>
   </p:sldIdLst>
   <p:sldSz cx="12192000" cy="6858000"/>
   <p:notesSz cx="6858000" cy="9144000"/>
@@ -123,7 +118,240 @@
       </a:defRPr>
     </a:lvl9pPr>
   </p:defaultTextStyle>
+  <p:extLst>
+    <p:ext uri="{EFAFB233-063F-42B5-8137-9DF3F51BA10A}">
+      <p15:sldGuideLst xmlns:p15="http://schemas.microsoft.com/office/powerpoint/2012/main"/>
+    </p:ext>
+  </p:extLst>
 </p:presentation>
+</file>
+
+<file path=ppt/revisionInfo.xml><?xml version="1.0" encoding="utf-8"?>
+<p1510:revInfo xmlns:a="http://schemas.openxmlformats.org/drawingml/2006/main" xmlns:r="http://schemas.openxmlformats.org/officeDocument/2006/relationships" xmlns:p1510="http://schemas.microsoft.com/office/powerpoint/2015/10/main">
+  <p1510:revLst>
+    <p1510:client id="{6C7EB1A8-048B-4C87-B5AC-31150B078576}" v="4" dt="2023-04-27T15:43:58.644"/>
+  </p1510:revLst>
+</p1510:revInfo>
+</file>
+
+<file path=ppt/changesInfos/changesInfo1.xml><?xml version="1.0" encoding="utf-8"?>
+<pc:chgInfo xmlns:a="http://schemas.openxmlformats.org/drawingml/2006/main" xmlns:r="http://schemas.openxmlformats.org/officeDocument/2006/relationships" xmlns:ac="http://schemas.microsoft.com/office/drawing/2013/main/command" xmlns:pc="http://schemas.microsoft.com/office/powerpoint/2013/main/command">
+  <pc:docChgLst>
+    <pc:chgData name="남 정현" userId="42c87c46deb7f138" providerId="LiveId" clId="{6C7EB1A8-048B-4C87-B5AC-31150B078576}"/>
+    <pc:docChg chg="undo custSel addSld delSld modSld">
+      <pc:chgData name="남 정현" userId="42c87c46deb7f138" providerId="LiveId" clId="{6C7EB1A8-048B-4C87-B5AC-31150B078576}" dt="2023-04-27T15:57:09.248" v="109" actId="22"/>
+      <pc:docMkLst>
+        <pc:docMk/>
+      </pc:docMkLst>
+      <pc:sldChg chg="addSp delSp modSp mod setBg">
+        <pc:chgData name="남 정현" userId="42c87c46deb7f138" providerId="LiveId" clId="{6C7EB1A8-048B-4C87-B5AC-31150B078576}" dt="2023-04-27T15:32:10.955" v="44" actId="1076"/>
+        <pc:sldMkLst>
+          <pc:docMk/>
+          <pc:sldMk cId="3603022010" sldId="278"/>
+        </pc:sldMkLst>
+        <pc:spChg chg="mod">
+          <ac:chgData name="남 정현" userId="42c87c46deb7f138" providerId="LiveId" clId="{6C7EB1A8-048B-4C87-B5AC-31150B078576}" dt="2023-04-27T15:31:05.512" v="27" actId="26606"/>
+          <ac:spMkLst>
+            <pc:docMk/>
+            <pc:sldMk cId="3603022010" sldId="278"/>
+            <ac:spMk id="2" creationId="{C6D12A3E-5C44-35C0-57FE-2485E32526B5}"/>
+          </ac:spMkLst>
+        </pc:spChg>
+        <pc:spChg chg="add del">
+          <ac:chgData name="남 정현" userId="42c87c46deb7f138" providerId="LiveId" clId="{6C7EB1A8-048B-4C87-B5AC-31150B078576}" dt="2023-04-27T15:31:05.512" v="27" actId="26606"/>
+          <ac:spMkLst>
+            <pc:docMk/>
+            <pc:sldMk cId="3603022010" sldId="278"/>
+            <ac:spMk id="13" creationId="{CB73C468-D875-4A8E-A540-E43BF8232DD4}"/>
+          </ac:spMkLst>
+        </pc:spChg>
+        <pc:spChg chg="add del">
+          <ac:chgData name="남 정현" userId="42c87c46deb7f138" providerId="LiveId" clId="{6C7EB1A8-048B-4C87-B5AC-31150B078576}" dt="2023-04-27T15:31:05.512" v="27" actId="26606"/>
+          <ac:spMkLst>
+            <pc:docMk/>
+            <pc:sldMk cId="3603022010" sldId="278"/>
+            <ac:spMk id="15" creationId="{B4734F2F-19FC-4D35-9BDE-5CEAD57D9B55}"/>
+          </ac:spMkLst>
+        </pc:spChg>
+        <pc:spChg chg="add del">
+          <ac:chgData name="남 정현" userId="42c87c46deb7f138" providerId="LiveId" clId="{6C7EB1A8-048B-4C87-B5AC-31150B078576}" dt="2023-04-27T15:31:05.512" v="27" actId="26606"/>
+          <ac:spMkLst>
+            <pc:docMk/>
+            <pc:sldMk cId="3603022010" sldId="278"/>
+            <ac:spMk id="17" creationId="{D97A8A26-FD96-4968-A34A-727382AC7E46}"/>
+          </ac:spMkLst>
+        </pc:spChg>
+        <pc:grpChg chg="add del">
+          <ac:chgData name="남 정현" userId="42c87c46deb7f138" providerId="LiveId" clId="{6C7EB1A8-048B-4C87-B5AC-31150B078576}" dt="2023-04-27T15:31:05.512" v="27" actId="26606"/>
+          <ac:grpSpMkLst>
+            <pc:docMk/>
+            <pc:sldMk cId="3603022010" sldId="278"/>
+            <ac:grpSpMk id="9" creationId="{449BC34D-9C23-4D6D-8213-1F471AF85B3F}"/>
+          </ac:grpSpMkLst>
+        </pc:grpChg>
+        <pc:picChg chg="add mod">
+          <ac:chgData name="남 정현" userId="42c87c46deb7f138" providerId="LiveId" clId="{6C7EB1A8-048B-4C87-B5AC-31150B078576}" dt="2023-04-27T15:31:16.883" v="32" actId="1076"/>
+          <ac:picMkLst>
+            <pc:docMk/>
+            <pc:sldMk cId="3603022010" sldId="278"/>
+            <ac:picMk id="4" creationId="{EBB8BA26-01B5-719E-F27C-E4CEFB89EA34}"/>
+          </ac:picMkLst>
+        </pc:picChg>
+        <pc:picChg chg="add mod">
+          <ac:chgData name="남 정현" userId="42c87c46deb7f138" providerId="LiveId" clId="{6C7EB1A8-048B-4C87-B5AC-31150B078576}" dt="2023-04-27T15:31:45.530" v="36" actId="1076"/>
+          <ac:picMkLst>
+            <pc:docMk/>
+            <pc:sldMk cId="3603022010" sldId="278"/>
+            <ac:picMk id="6" creationId="{37DBA823-9EC9-AE88-EE44-857953BFAB2A}"/>
+          </ac:picMkLst>
+        </pc:picChg>
+        <pc:picChg chg="add mod">
+          <ac:chgData name="남 정현" userId="42c87c46deb7f138" providerId="LiveId" clId="{6C7EB1A8-048B-4C87-B5AC-31150B078576}" dt="2023-04-27T15:32:10.955" v="44" actId="1076"/>
+          <ac:picMkLst>
+            <pc:docMk/>
+            <pc:sldMk cId="3603022010" sldId="278"/>
+            <ac:picMk id="8" creationId="{EF7BC8FC-D17A-C66A-9E2E-A1CDF5C0E5E2}"/>
+          </ac:picMkLst>
+        </pc:picChg>
+      </pc:sldChg>
+      <pc:sldChg chg="addSp modSp mod">
+        <pc:chgData name="남 정현" userId="42c87c46deb7f138" providerId="LiveId" clId="{6C7EB1A8-048B-4C87-B5AC-31150B078576}" dt="2023-04-27T15:39:19.009" v="67" actId="1076"/>
+        <pc:sldMkLst>
+          <pc:docMk/>
+          <pc:sldMk cId="1833289707" sldId="279"/>
+        </pc:sldMkLst>
+        <pc:spChg chg="mod">
+          <ac:chgData name="남 정현" userId="42c87c46deb7f138" providerId="LiveId" clId="{6C7EB1A8-048B-4C87-B5AC-31150B078576}" dt="2023-04-27T15:36:09.883" v="53"/>
+          <ac:spMkLst>
+            <pc:docMk/>
+            <pc:sldMk cId="1833289707" sldId="279"/>
+            <ac:spMk id="2" creationId="{C6D12A3E-5C44-35C0-57FE-2485E32526B5}"/>
+          </ac:spMkLst>
+        </pc:spChg>
+        <pc:picChg chg="add mod">
+          <ac:chgData name="남 정현" userId="42c87c46deb7f138" providerId="LiveId" clId="{6C7EB1A8-048B-4C87-B5AC-31150B078576}" dt="2023-04-27T15:35:59.468" v="47" actId="14100"/>
+          <ac:picMkLst>
+            <pc:docMk/>
+            <pc:sldMk cId="1833289707" sldId="279"/>
+            <ac:picMk id="4" creationId="{C0EE467B-F37F-F6B9-7042-8C1BEBEBCC3D}"/>
+          </ac:picMkLst>
+        </pc:picChg>
+        <pc:picChg chg="add mod">
+          <ac:chgData name="남 정현" userId="42c87c46deb7f138" providerId="LiveId" clId="{6C7EB1A8-048B-4C87-B5AC-31150B078576}" dt="2023-04-27T15:37:16.565" v="58" actId="1076"/>
+          <ac:picMkLst>
+            <pc:docMk/>
+            <pc:sldMk cId="1833289707" sldId="279"/>
+            <ac:picMk id="6" creationId="{683A028B-C877-385B-0D59-69406C4688E3}"/>
+          </ac:picMkLst>
+        </pc:picChg>
+        <pc:picChg chg="add mod">
+          <ac:chgData name="남 정현" userId="42c87c46deb7f138" providerId="LiveId" clId="{6C7EB1A8-048B-4C87-B5AC-31150B078576}" dt="2023-04-27T15:37:58.219" v="62" actId="1076"/>
+          <ac:picMkLst>
+            <pc:docMk/>
+            <pc:sldMk cId="1833289707" sldId="279"/>
+            <ac:picMk id="8" creationId="{59697DA1-A481-BBD4-19CB-51E08316563B}"/>
+          </ac:picMkLst>
+        </pc:picChg>
+        <pc:picChg chg="add mod">
+          <ac:chgData name="남 정현" userId="42c87c46deb7f138" providerId="LiveId" clId="{6C7EB1A8-048B-4C87-B5AC-31150B078576}" dt="2023-04-27T15:39:19.009" v="67" actId="1076"/>
+          <ac:picMkLst>
+            <pc:docMk/>
+            <pc:sldMk cId="1833289707" sldId="279"/>
+            <ac:picMk id="10" creationId="{5B59527A-5736-559F-4FEA-CE4A15C739C6}"/>
+          </ac:picMkLst>
+        </pc:picChg>
+      </pc:sldChg>
+      <pc:sldChg chg="addSp modSp mod">
+        <pc:chgData name="남 정현" userId="42c87c46deb7f138" providerId="LiveId" clId="{6C7EB1A8-048B-4C87-B5AC-31150B078576}" dt="2023-04-27T15:42:37.826" v="85" actId="1076"/>
+        <pc:sldMkLst>
+          <pc:docMk/>
+          <pc:sldMk cId="3989212791" sldId="280"/>
+        </pc:sldMkLst>
+        <pc:spChg chg="mod">
+          <ac:chgData name="남 정현" userId="42c87c46deb7f138" providerId="LiveId" clId="{6C7EB1A8-048B-4C87-B5AC-31150B078576}" dt="2023-04-27T15:42:27.866" v="83"/>
+          <ac:spMkLst>
+            <pc:docMk/>
+            <pc:sldMk cId="3989212791" sldId="280"/>
+            <ac:spMk id="2" creationId="{C6D12A3E-5C44-35C0-57FE-2485E32526B5}"/>
+          </ac:spMkLst>
+        </pc:spChg>
+        <pc:picChg chg="add mod">
+          <ac:chgData name="남 정현" userId="42c87c46deb7f138" providerId="LiveId" clId="{6C7EB1A8-048B-4C87-B5AC-31150B078576}" dt="2023-04-27T15:42:37.826" v="85" actId="1076"/>
+          <ac:picMkLst>
+            <pc:docMk/>
+            <pc:sldMk cId="3989212791" sldId="280"/>
+            <ac:picMk id="4" creationId="{A845A9E8-6687-783D-1707-9F7DF3681CB3}"/>
+          </ac:picMkLst>
+        </pc:picChg>
+      </pc:sldChg>
+      <pc:sldChg chg="del">
+        <pc:chgData name="남 정현" userId="42c87c46deb7f138" providerId="LiveId" clId="{6C7EB1A8-048B-4C87-B5AC-31150B078576}" dt="2023-04-27T15:43:42.868" v="87" actId="2696"/>
+        <pc:sldMkLst>
+          <pc:docMk/>
+          <pc:sldMk cId="3149714811" sldId="281"/>
+        </pc:sldMkLst>
+      </pc:sldChg>
+      <pc:sldChg chg="del">
+        <pc:chgData name="남 정현" userId="42c87c46deb7f138" providerId="LiveId" clId="{6C7EB1A8-048B-4C87-B5AC-31150B078576}" dt="2023-04-27T15:43:44.952" v="89" actId="2696"/>
+        <pc:sldMkLst>
+          <pc:docMk/>
+          <pc:sldMk cId="691125594" sldId="282"/>
+        </pc:sldMkLst>
+      </pc:sldChg>
+      <pc:sldChg chg="del">
+        <pc:chgData name="남 정현" userId="42c87c46deb7f138" providerId="LiveId" clId="{6C7EB1A8-048B-4C87-B5AC-31150B078576}" dt="2023-04-27T15:43:46.253" v="90" actId="2696"/>
+        <pc:sldMkLst>
+          <pc:docMk/>
+          <pc:sldMk cId="413272924" sldId="283"/>
+        </pc:sldMkLst>
+      </pc:sldChg>
+      <pc:sldChg chg="del">
+        <pc:chgData name="남 정현" userId="42c87c46deb7f138" providerId="LiveId" clId="{6C7EB1A8-048B-4C87-B5AC-31150B078576}" dt="2023-04-27T15:43:47.669" v="91" actId="2696"/>
+        <pc:sldMkLst>
+          <pc:docMk/>
+          <pc:sldMk cId="2945426416" sldId="284"/>
+        </pc:sldMkLst>
+      </pc:sldChg>
+      <pc:sldChg chg="del">
+        <pc:chgData name="남 정현" userId="42c87c46deb7f138" providerId="LiveId" clId="{6C7EB1A8-048B-4C87-B5AC-31150B078576}" dt="2023-04-27T15:43:49.410" v="92" actId="2696"/>
+        <pc:sldMkLst>
+          <pc:docMk/>
+          <pc:sldMk cId="2901805957" sldId="285"/>
+        </pc:sldMkLst>
+      </pc:sldChg>
+      <pc:sldChg chg="addSp modSp mod">
+        <pc:chgData name="남 정현" userId="42c87c46deb7f138" providerId="LiveId" clId="{6C7EB1A8-048B-4C87-B5AC-31150B078576}" dt="2023-04-27T15:57:09.248" v="109" actId="22"/>
+        <pc:sldMkLst>
+          <pc:docMk/>
+          <pc:sldMk cId="194953568" sldId="286"/>
+        </pc:sldMkLst>
+        <pc:spChg chg="mod">
+          <ac:chgData name="남 정현" userId="42c87c46deb7f138" providerId="LiveId" clId="{6C7EB1A8-048B-4C87-B5AC-31150B078576}" dt="2023-04-27T15:43:58.643" v="108"/>
+          <ac:spMkLst>
+            <pc:docMk/>
+            <pc:sldMk cId="194953568" sldId="286"/>
+            <ac:spMk id="2" creationId="{C6D12A3E-5C44-35C0-57FE-2485E32526B5}"/>
+          </ac:spMkLst>
+        </pc:spChg>
+        <pc:picChg chg="add">
+          <ac:chgData name="남 정현" userId="42c87c46deb7f138" providerId="LiveId" clId="{6C7EB1A8-048B-4C87-B5AC-31150B078576}" dt="2023-04-27T15:57:09.248" v="109" actId="22"/>
+          <ac:picMkLst>
+            <pc:docMk/>
+            <pc:sldMk cId="194953568" sldId="286"/>
+            <ac:picMk id="4" creationId="{2584E042-801F-A39D-B877-C3F878EB42E2}"/>
+          </ac:picMkLst>
+        </pc:picChg>
+      </pc:sldChg>
+      <pc:sldChg chg="add del">
+        <pc:chgData name="남 정현" userId="42c87c46deb7f138" providerId="LiveId" clId="{6C7EB1A8-048B-4C87-B5AC-31150B078576}" dt="2023-04-27T15:43:43.644" v="88" actId="2696"/>
+        <pc:sldMkLst>
+          <pc:docMk/>
+          <pc:sldMk cId="3001732551" sldId="287"/>
+        </pc:sldMkLst>
+      </pc:sldChg>
+    </pc:docChg>
+  </pc:docChgLst>
+</pc:chgInfo>
 </file>
 
 <file path=ppt/slideLayouts/slideLayout1.xml><?xml version="1.0" encoding="utf-8"?>
@@ -4176,12 +4404,103 @@
           <a:lstStyle/>
           <a:p>
             <a:r>
-              <a:rPr lang="ko-KR" altLang="en-US" sz="1800" dirty="0"/>
-              <a:t>리스트 검색</a:t>
-            </a:r>
-          </a:p>
-        </p:txBody>
-      </p:sp>
+              <a:rPr lang="ko-KR" altLang="en-US" sz="1800"/>
+              <a:t>심화학습</a:t>
+            </a:r>
+            <a:endParaRPr lang="ko-KR" altLang="en-US" sz="1800" dirty="0"/>
+          </a:p>
+        </p:txBody>
+      </p:sp>
+      <p:pic>
+        <p:nvPicPr>
+          <p:cNvPr id="4" name="그림 3">
+            <a:extLst>
+              <a:ext uri="{FF2B5EF4-FFF2-40B4-BE49-F238E27FC236}">
+                <a16:creationId xmlns:a16="http://schemas.microsoft.com/office/drawing/2014/main" id="{EBB8BA26-01B5-719E-F27C-E4CEFB89EA34}"/>
+              </a:ext>
+            </a:extLst>
+          </p:cNvPr>
+          <p:cNvPicPr>
+            <a:picLocks noChangeAspect="1"/>
+          </p:cNvPicPr>
+          <p:nvPr/>
+        </p:nvPicPr>
+        <p:blipFill>
+          <a:blip r:embed="rId2"/>
+          <a:stretch>
+            <a:fillRect/>
+          </a:stretch>
+        </p:blipFill>
+        <p:spPr>
+          <a:xfrm>
+            <a:off x="698938" y="1304043"/>
+            <a:ext cx="6910889" cy="5553957"/>
+          </a:xfrm>
+          <a:prstGeom prst="rect">
+            <a:avLst/>
+          </a:prstGeom>
+        </p:spPr>
+      </p:pic>
+      <p:pic>
+        <p:nvPicPr>
+          <p:cNvPr id="6" name="그림 5">
+            <a:extLst>
+              <a:ext uri="{FF2B5EF4-FFF2-40B4-BE49-F238E27FC236}">
+                <a16:creationId xmlns:a16="http://schemas.microsoft.com/office/drawing/2014/main" id="{37DBA823-9EC9-AE88-EE44-857953BFAB2A}"/>
+              </a:ext>
+            </a:extLst>
+          </p:cNvPr>
+          <p:cNvPicPr>
+            <a:picLocks noChangeAspect="1"/>
+          </p:cNvPicPr>
+          <p:nvPr/>
+        </p:nvPicPr>
+        <p:blipFill>
+          <a:blip r:embed="rId3"/>
+          <a:stretch>
+            <a:fillRect/>
+          </a:stretch>
+        </p:blipFill>
+        <p:spPr>
+          <a:xfrm>
+            <a:off x="8389257" y="0"/>
+            <a:ext cx="3323771" cy="3512719"/>
+          </a:xfrm>
+          <a:prstGeom prst="rect">
+            <a:avLst/>
+          </a:prstGeom>
+        </p:spPr>
+      </p:pic>
+      <p:pic>
+        <p:nvPicPr>
+          <p:cNvPr id="8" name="그림 7">
+            <a:extLst>
+              <a:ext uri="{FF2B5EF4-FFF2-40B4-BE49-F238E27FC236}">
+                <a16:creationId xmlns:a16="http://schemas.microsoft.com/office/drawing/2014/main" id="{EF7BC8FC-D17A-C66A-9E2E-A1CDF5C0E5E2}"/>
+              </a:ext>
+            </a:extLst>
+          </p:cNvPr>
+          <p:cNvPicPr>
+            <a:picLocks noChangeAspect="1"/>
+          </p:cNvPicPr>
+          <p:nvPr/>
+        </p:nvPicPr>
+        <p:blipFill>
+          <a:blip r:embed="rId4"/>
+          <a:stretch>
+            <a:fillRect/>
+          </a:stretch>
+        </p:blipFill>
+        <p:spPr>
+          <a:xfrm>
+            <a:off x="8454571" y="3429000"/>
+            <a:ext cx="3193142" cy="3364355"/>
+          </a:xfrm>
+          <a:prstGeom prst="rect">
+            <a:avLst/>
+          </a:prstGeom>
+        </p:spPr>
+      </p:pic>
     </p:spTree>
     <p:extLst>
       <p:ext uri="{BB962C8B-B14F-4D97-AF65-F5344CB8AC3E}">
@@ -4241,12 +4560,133 @@
           <a:lstStyle/>
           <a:p>
             <a:r>
-              <a:rPr lang="ko-KR" altLang="en-US" sz="1800" dirty="0"/>
-              <a:t>리스트 검색</a:t>
-            </a:r>
-          </a:p>
-        </p:txBody>
-      </p:sp>
+              <a:rPr lang="ko-KR" altLang="en-US" sz="1800" dirty="0" err="1"/>
+              <a:t>튜플</a:t>
+            </a:r>
+            <a:endParaRPr lang="ko-KR" altLang="en-US" sz="1800" dirty="0"/>
+          </a:p>
+        </p:txBody>
+      </p:sp>
+      <p:pic>
+        <p:nvPicPr>
+          <p:cNvPr id="4" name="그림 3">
+            <a:extLst>
+              <a:ext uri="{FF2B5EF4-FFF2-40B4-BE49-F238E27FC236}">
+                <a16:creationId xmlns:a16="http://schemas.microsoft.com/office/drawing/2014/main" id="{C0EE467B-F37F-F6B9-7042-8C1BEBEBCC3D}"/>
+              </a:ext>
+            </a:extLst>
+          </p:cNvPr>
+          <p:cNvPicPr>
+            <a:picLocks noChangeAspect="1"/>
+          </p:cNvPicPr>
+          <p:nvPr/>
+        </p:nvPicPr>
+        <p:blipFill>
+          <a:blip r:embed="rId2"/>
+          <a:stretch>
+            <a:fillRect/>
+          </a:stretch>
+        </p:blipFill>
+        <p:spPr>
+          <a:xfrm>
+            <a:off x="698938" y="957455"/>
+            <a:ext cx="4976390" cy="2119574"/>
+          </a:xfrm>
+          <a:prstGeom prst="rect">
+            <a:avLst/>
+          </a:prstGeom>
+        </p:spPr>
+      </p:pic>
+      <p:pic>
+        <p:nvPicPr>
+          <p:cNvPr id="6" name="그림 5">
+            <a:extLst>
+              <a:ext uri="{FF2B5EF4-FFF2-40B4-BE49-F238E27FC236}">
+                <a16:creationId xmlns:a16="http://schemas.microsoft.com/office/drawing/2014/main" id="{683A028B-C877-385B-0D59-69406C4688E3}"/>
+              </a:ext>
+            </a:extLst>
+          </p:cNvPr>
+          <p:cNvPicPr>
+            <a:picLocks noChangeAspect="1"/>
+          </p:cNvPicPr>
+          <p:nvPr/>
+        </p:nvPicPr>
+        <p:blipFill>
+          <a:blip r:embed="rId3"/>
+          <a:stretch>
+            <a:fillRect/>
+          </a:stretch>
+        </p:blipFill>
+        <p:spPr>
+          <a:xfrm>
+            <a:off x="6619396" y="274270"/>
+            <a:ext cx="5101423" cy="3397845"/>
+          </a:xfrm>
+          <a:prstGeom prst="rect">
+            <a:avLst/>
+          </a:prstGeom>
+        </p:spPr>
+      </p:pic>
+      <p:pic>
+        <p:nvPicPr>
+          <p:cNvPr id="8" name="그림 7">
+            <a:extLst>
+              <a:ext uri="{FF2B5EF4-FFF2-40B4-BE49-F238E27FC236}">
+                <a16:creationId xmlns:a16="http://schemas.microsoft.com/office/drawing/2014/main" id="{59697DA1-A481-BBD4-19CB-51E08316563B}"/>
+              </a:ext>
+            </a:extLst>
+          </p:cNvPr>
+          <p:cNvPicPr>
+            <a:picLocks noChangeAspect="1"/>
+          </p:cNvPicPr>
+          <p:nvPr/>
+        </p:nvPicPr>
+        <p:blipFill>
+          <a:blip r:embed="rId4"/>
+          <a:stretch>
+            <a:fillRect/>
+          </a:stretch>
+        </p:blipFill>
+        <p:spPr>
+          <a:xfrm>
+            <a:off x="698938" y="3639457"/>
+            <a:ext cx="4841115" cy="3218543"/>
+          </a:xfrm>
+          <a:prstGeom prst="rect">
+            <a:avLst/>
+          </a:prstGeom>
+        </p:spPr>
+      </p:pic>
+      <p:pic>
+        <p:nvPicPr>
+          <p:cNvPr id="10" name="그림 9">
+            <a:extLst>
+              <a:ext uri="{FF2B5EF4-FFF2-40B4-BE49-F238E27FC236}">
+                <a16:creationId xmlns:a16="http://schemas.microsoft.com/office/drawing/2014/main" id="{5B59527A-5736-559F-4FEA-CE4A15C739C6}"/>
+              </a:ext>
+            </a:extLst>
+          </p:cNvPr>
+          <p:cNvPicPr>
+            <a:picLocks noChangeAspect="1"/>
+          </p:cNvPicPr>
+          <p:nvPr/>
+        </p:nvPicPr>
+        <p:blipFill>
+          <a:blip r:embed="rId5"/>
+          <a:stretch>
+            <a:fillRect/>
+          </a:stretch>
+        </p:blipFill>
+        <p:spPr>
+          <a:xfrm>
+            <a:off x="6811976" y="3639457"/>
+            <a:ext cx="4716261" cy="3179501"/>
+          </a:xfrm>
+          <a:prstGeom prst="rect">
+            <a:avLst/>
+          </a:prstGeom>
+        </p:spPr>
+      </p:pic>
     </p:spTree>
     <p:extLst>
       <p:ext uri="{BB962C8B-B14F-4D97-AF65-F5344CB8AC3E}">
@@ -4306,12 +4746,46 @@
           <a:lstStyle/>
           <a:p>
             <a:r>
+              <a:rPr lang="ko-KR" altLang="en-US" sz="1800" dirty="0" err="1"/>
+              <a:t>튜플의</a:t>
+            </a:r>
+            <a:r>
               <a:rPr lang="ko-KR" altLang="en-US" sz="1800" dirty="0"/>
-              <a:t>리스트 검색</a:t>
-            </a:r>
-          </a:p>
-        </p:txBody>
-      </p:sp>
+              <a:t> 예시</a:t>
+            </a:r>
+          </a:p>
+        </p:txBody>
+      </p:sp>
+      <p:pic>
+        <p:nvPicPr>
+          <p:cNvPr id="4" name="그림 3">
+            <a:extLst>
+              <a:ext uri="{FF2B5EF4-FFF2-40B4-BE49-F238E27FC236}">
+                <a16:creationId xmlns:a16="http://schemas.microsoft.com/office/drawing/2014/main" id="{A845A9E8-6687-783D-1707-9F7DF3681CB3}"/>
+              </a:ext>
+            </a:extLst>
+          </p:cNvPr>
+          <p:cNvPicPr>
+            <a:picLocks noChangeAspect="1"/>
+          </p:cNvPicPr>
+          <p:nvPr/>
+        </p:nvPicPr>
+        <p:blipFill>
+          <a:blip r:embed="rId2"/>
+          <a:stretch>
+            <a:fillRect/>
+          </a:stretch>
+        </p:blipFill>
+        <p:spPr>
+          <a:xfrm>
+            <a:off x="1819541" y="2299822"/>
+            <a:ext cx="8552918" cy="2258355"/>
+          </a:xfrm>
+          <a:prstGeom prst="rect">
+            <a:avLst/>
+          </a:prstGeom>
+        </p:spPr>
+      </p:pic>
     </p:spTree>
     <p:extLst>
       <p:ext uri="{BB962C8B-B14F-4D97-AF65-F5344CB8AC3E}">
@@ -4372,275 +4846,45 @@
           <a:p>
             <a:r>
               <a:rPr lang="ko-KR" altLang="en-US" sz="1800" dirty="0"/>
-              <a:t>리스트 검색</a:t>
-            </a:r>
-          </a:p>
-        </p:txBody>
-      </p:sp>
+              <a:t>정리하기</a:t>
+            </a:r>
+          </a:p>
+        </p:txBody>
+      </p:sp>
+      <p:pic>
+        <p:nvPicPr>
+          <p:cNvPr id="4" name="그림 3">
+            <a:extLst>
+              <a:ext uri="{FF2B5EF4-FFF2-40B4-BE49-F238E27FC236}">
+                <a16:creationId xmlns:a16="http://schemas.microsoft.com/office/drawing/2014/main" id="{2584E042-801F-A39D-B877-C3F878EB42E2}"/>
+              </a:ext>
+            </a:extLst>
+          </p:cNvPr>
+          <p:cNvPicPr>
+            <a:picLocks noChangeAspect="1"/>
+          </p:cNvPicPr>
+          <p:nvPr/>
+        </p:nvPicPr>
+        <p:blipFill>
+          <a:blip r:embed="rId2"/>
+          <a:stretch>
+            <a:fillRect/>
+          </a:stretch>
+        </p:blipFill>
+        <p:spPr>
+          <a:xfrm>
+            <a:off x="3440906" y="0"/>
+            <a:ext cx="5310188" cy="6858000"/>
+          </a:xfrm>
+          <a:prstGeom prst="rect">
+            <a:avLst/>
+          </a:prstGeom>
+        </p:spPr>
+      </p:pic>
     </p:spTree>
     <p:extLst>
       <p:ext uri="{BB962C8B-B14F-4D97-AF65-F5344CB8AC3E}">
-        <p14:creationId xmlns:p14="http://schemas.microsoft.com/office/powerpoint/2010/main" val="3149714811"/>
-      </p:ext>
-    </p:extLst>
-  </p:cSld>
-  <p:clrMapOvr>
-    <a:masterClrMapping/>
-  </p:clrMapOvr>
-</p:sld>
-</file>
-
-<file path=ppt/slides/slide16.xml><?xml version="1.0" encoding="utf-8"?>
-<p:sld xmlns:a="http://schemas.openxmlformats.org/drawingml/2006/main" xmlns:r="http://schemas.openxmlformats.org/officeDocument/2006/relationships" xmlns:p="http://schemas.openxmlformats.org/presentationml/2006/main">
-  <p:cSld>
-    <p:spTree>
-      <p:nvGrpSpPr>
-        <p:cNvPr id="1" name=""/>
-        <p:cNvGrpSpPr/>
-        <p:nvPr/>
-      </p:nvGrpSpPr>
-      <p:grpSpPr>
-        <a:xfrm>
-          <a:off x="0" y="0"/>
-          <a:ext cx="0" cy="0"/>
-          <a:chOff x="0" y="0"/>
-          <a:chExt cx="0" cy="0"/>
-        </a:xfrm>
-      </p:grpSpPr>
-      <p:sp>
-        <p:nvSpPr>
-          <p:cNvPr id="2" name="제목 1">
-            <a:extLst>
-              <a:ext uri="{FF2B5EF4-FFF2-40B4-BE49-F238E27FC236}">
-                <a16:creationId xmlns:a16="http://schemas.microsoft.com/office/drawing/2014/main" id="{C6D12A3E-5C44-35C0-57FE-2485E32526B5}"/>
-              </a:ext>
-            </a:extLst>
-          </p:cNvPr>
-          <p:cNvSpPr>
-            <a:spLocks noGrp="1"/>
-          </p:cNvSpPr>
-          <p:nvPr>
-            <p:ph type="title"/>
-          </p:nvPr>
-        </p:nvSpPr>
-        <p:spPr>
-          <a:xfrm>
-            <a:off x="698938" y="0"/>
-            <a:ext cx="9601200" cy="346841"/>
-          </a:xfrm>
-        </p:spPr>
-        <p:txBody>
-          <a:bodyPr>
-            <a:normAutofit/>
-          </a:bodyPr>
-          <a:lstStyle/>
-          <a:p>
-            <a:r>
-              <a:rPr lang="ko-KR" altLang="en-US" sz="1800" dirty="0"/>
-              <a:t>리스트 검색</a:t>
-            </a:r>
-          </a:p>
-        </p:txBody>
-      </p:sp>
-    </p:spTree>
-    <p:extLst>
-      <p:ext uri="{BB962C8B-B14F-4D97-AF65-F5344CB8AC3E}">
-        <p14:creationId xmlns:p14="http://schemas.microsoft.com/office/powerpoint/2010/main" val="691125594"/>
-      </p:ext>
-    </p:extLst>
-  </p:cSld>
-  <p:clrMapOvr>
-    <a:masterClrMapping/>
-  </p:clrMapOvr>
-</p:sld>
-</file>
-
-<file path=ppt/slides/slide17.xml><?xml version="1.0" encoding="utf-8"?>
-<p:sld xmlns:a="http://schemas.openxmlformats.org/drawingml/2006/main" xmlns:r="http://schemas.openxmlformats.org/officeDocument/2006/relationships" xmlns:p="http://schemas.openxmlformats.org/presentationml/2006/main">
-  <p:cSld>
-    <p:spTree>
-      <p:nvGrpSpPr>
-        <p:cNvPr id="1" name=""/>
-        <p:cNvGrpSpPr/>
-        <p:nvPr/>
-      </p:nvGrpSpPr>
-      <p:grpSpPr>
-        <a:xfrm>
-          <a:off x="0" y="0"/>
-          <a:ext cx="0" cy="0"/>
-          <a:chOff x="0" y="0"/>
-          <a:chExt cx="0" cy="0"/>
-        </a:xfrm>
-      </p:grpSpPr>
-      <p:sp>
-        <p:nvSpPr>
-          <p:cNvPr id="2" name="제목 1">
-            <a:extLst>
-              <a:ext uri="{FF2B5EF4-FFF2-40B4-BE49-F238E27FC236}">
-                <a16:creationId xmlns:a16="http://schemas.microsoft.com/office/drawing/2014/main" id="{C6D12A3E-5C44-35C0-57FE-2485E32526B5}"/>
-              </a:ext>
-            </a:extLst>
-          </p:cNvPr>
-          <p:cNvSpPr>
-            <a:spLocks noGrp="1"/>
-          </p:cNvSpPr>
-          <p:nvPr>
-            <p:ph type="title"/>
-          </p:nvPr>
-        </p:nvSpPr>
-        <p:spPr>
-          <a:xfrm>
-            <a:off x="698938" y="0"/>
-            <a:ext cx="9601200" cy="346841"/>
-          </a:xfrm>
-        </p:spPr>
-        <p:txBody>
-          <a:bodyPr>
-            <a:normAutofit/>
-          </a:bodyPr>
-          <a:lstStyle/>
-          <a:p>
-            <a:r>
-              <a:rPr lang="ko-KR" altLang="en-US" sz="1800" dirty="0"/>
-              <a:t>리스트 검색</a:t>
-            </a:r>
-          </a:p>
-        </p:txBody>
-      </p:sp>
-    </p:spTree>
-    <p:extLst>
-      <p:ext uri="{BB962C8B-B14F-4D97-AF65-F5344CB8AC3E}">
-        <p14:creationId xmlns:p14="http://schemas.microsoft.com/office/powerpoint/2010/main" val="413272924"/>
-      </p:ext>
-    </p:extLst>
-  </p:cSld>
-  <p:clrMapOvr>
-    <a:masterClrMapping/>
-  </p:clrMapOvr>
-</p:sld>
-</file>
-
-<file path=ppt/slides/slide18.xml><?xml version="1.0" encoding="utf-8"?>
-<p:sld xmlns:a="http://schemas.openxmlformats.org/drawingml/2006/main" xmlns:r="http://schemas.openxmlformats.org/officeDocument/2006/relationships" xmlns:p="http://schemas.openxmlformats.org/presentationml/2006/main">
-  <p:cSld>
-    <p:spTree>
-      <p:nvGrpSpPr>
-        <p:cNvPr id="1" name=""/>
-        <p:cNvGrpSpPr/>
-        <p:nvPr/>
-      </p:nvGrpSpPr>
-      <p:grpSpPr>
-        <a:xfrm>
-          <a:off x="0" y="0"/>
-          <a:ext cx="0" cy="0"/>
-          <a:chOff x="0" y="0"/>
-          <a:chExt cx="0" cy="0"/>
-        </a:xfrm>
-      </p:grpSpPr>
-      <p:sp>
-        <p:nvSpPr>
-          <p:cNvPr id="2" name="제목 1">
-            <a:extLst>
-              <a:ext uri="{FF2B5EF4-FFF2-40B4-BE49-F238E27FC236}">
-                <a16:creationId xmlns:a16="http://schemas.microsoft.com/office/drawing/2014/main" id="{C6D12A3E-5C44-35C0-57FE-2485E32526B5}"/>
-              </a:ext>
-            </a:extLst>
-          </p:cNvPr>
-          <p:cNvSpPr>
-            <a:spLocks noGrp="1"/>
-          </p:cNvSpPr>
-          <p:nvPr>
-            <p:ph type="title"/>
-          </p:nvPr>
-        </p:nvSpPr>
-        <p:spPr>
-          <a:xfrm>
-            <a:off x="698938" y="0"/>
-            <a:ext cx="9601200" cy="346841"/>
-          </a:xfrm>
-        </p:spPr>
-        <p:txBody>
-          <a:bodyPr>
-            <a:normAutofit/>
-          </a:bodyPr>
-          <a:lstStyle/>
-          <a:p>
-            <a:r>
-              <a:rPr lang="ko-KR" altLang="en-US" sz="1800" dirty="0"/>
-              <a:t>리스트 검색</a:t>
-            </a:r>
-          </a:p>
-        </p:txBody>
-      </p:sp>
-    </p:spTree>
-    <p:extLst>
-      <p:ext uri="{BB962C8B-B14F-4D97-AF65-F5344CB8AC3E}">
-        <p14:creationId xmlns:p14="http://schemas.microsoft.com/office/powerpoint/2010/main" val="2945426416"/>
-      </p:ext>
-    </p:extLst>
-  </p:cSld>
-  <p:clrMapOvr>
-    <a:masterClrMapping/>
-  </p:clrMapOvr>
-</p:sld>
-</file>
-
-<file path=ppt/slides/slide19.xml><?xml version="1.0" encoding="utf-8"?>
-<p:sld xmlns:a="http://schemas.openxmlformats.org/drawingml/2006/main" xmlns:r="http://schemas.openxmlformats.org/officeDocument/2006/relationships" xmlns:p="http://schemas.openxmlformats.org/presentationml/2006/main">
-  <p:cSld>
-    <p:spTree>
-      <p:nvGrpSpPr>
-        <p:cNvPr id="1" name=""/>
-        <p:cNvGrpSpPr/>
-        <p:nvPr/>
-      </p:nvGrpSpPr>
-      <p:grpSpPr>
-        <a:xfrm>
-          <a:off x="0" y="0"/>
-          <a:ext cx="0" cy="0"/>
-          <a:chOff x="0" y="0"/>
-          <a:chExt cx="0" cy="0"/>
-        </a:xfrm>
-      </p:grpSpPr>
-      <p:sp>
-        <p:nvSpPr>
-          <p:cNvPr id="2" name="제목 1">
-            <a:extLst>
-              <a:ext uri="{FF2B5EF4-FFF2-40B4-BE49-F238E27FC236}">
-                <a16:creationId xmlns:a16="http://schemas.microsoft.com/office/drawing/2014/main" id="{C6D12A3E-5C44-35C0-57FE-2485E32526B5}"/>
-              </a:ext>
-            </a:extLst>
-          </p:cNvPr>
-          <p:cNvSpPr>
-            <a:spLocks noGrp="1"/>
-          </p:cNvSpPr>
-          <p:nvPr>
-            <p:ph type="title"/>
-          </p:nvPr>
-        </p:nvSpPr>
-        <p:spPr>
-          <a:xfrm>
-            <a:off x="698938" y="0"/>
-            <a:ext cx="9601200" cy="346841"/>
-          </a:xfrm>
-        </p:spPr>
-        <p:txBody>
-          <a:bodyPr>
-            <a:normAutofit/>
-          </a:bodyPr>
-          <a:lstStyle/>
-          <a:p>
-            <a:r>
-              <a:rPr lang="ko-KR" altLang="en-US" sz="1800" dirty="0"/>
-              <a:t>리스트 검색</a:t>
-            </a:r>
-          </a:p>
-        </p:txBody>
-      </p:sp>
-    </p:spTree>
-    <p:extLst>
-      <p:ext uri="{BB962C8B-B14F-4D97-AF65-F5344CB8AC3E}">
-        <p14:creationId xmlns:p14="http://schemas.microsoft.com/office/powerpoint/2010/main" val="2901805957"/>
+        <p14:creationId xmlns:p14="http://schemas.microsoft.com/office/powerpoint/2010/main" val="194953568"/>
       </p:ext>
     </p:extLst>
   </p:cSld>
@@ -4826,71 +5070,6 @@
     <p:extLst>
       <p:ext uri="{BB962C8B-B14F-4D97-AF65-F5344CB8AC3E}">
         <p14:creationId xmlns:p14="http://schemas.microsoft.com/office/powerpoint/2010/main" val="175265281"/>
-      </p:ext>
-    </p:extLst>
-  </p:cSld>
-  <p:clrMapOvr>
-    <a:masterClrMapping/>
-  </p:clrMapOvr>
-</p:sld>
-</file>
-
-<file path=ppt/slides/slide20.xml><?xml version="1.0" encoding="utf-8"?>
-<p:sld xmlns:a="http://schemas.openxmlformats.org/drawingml/2006/main" xmlns:r="http://schemas.openxmlformats.org/officeDocument/2006/relationships" xmlns:p="http://schemas.openxmlformats.org/presentationml/2006/main">
-  <p:cSld>
-    <p:spTree>
-      <p:nvGrpSpPr>
-        <p:cNvPr id="1" name=""/>
-        <p:cNvGrpSpPr/>
-        <p:nvPr/>
-      </p:nvGrpSpPr>
-      <p:grpSpPr>
-        <a:xfrm>
-          <a:off x="0" y="0"/>
-          <a:ext cx="0" cy="0"/>
-          <a:chOff x="0" y="0"/>
-          <a:chExt cx="0" cy="0"/>
-        </a:xfrm>
-      </p:grpSpPr>
-      <p:sp>
-        <p:nvSpPr>
-          <p:cNvPr id="2" name="제목 1">
-            <a:extLst>
-              <a:ext uri="{FF2B5EF4-FFF2-40B4-BE49-F238E27FC236}">
-                <a16:creationId xmlns:a16="http://schemas.microsoft.com/office/drawing/2014/main" id="{C6D12A3E-5C44-35C0-57FE-2485E32526B5}"/>
-              </a:ext>
-            </a:extLst>
-          </p:cNvPr>
-          <p:cNvSpPr>
-            <a:spLocks noGrp="1"/>
-          </p:cNvSpPr>
-          <p:nvPr>
-            <p:ph type="title"/>
-          </p:nvPr>
-        </p:nvSpPr>
-        <p:spPr>
-          <a:xfrm>
-            <a:off x="698938" y="0"/>
-            <a:ext cx="9601200" cy="346841"/>
-          </a:xfrm>
-        </p:spPr>
-        <p:txBody>
-          <a:bodyPr>
-            <a:normAutofit/>
-          </a:bodyPr>
-          <a:lstStyle/>
-          <a:p>
-            <a:r>
-              <a:rPr lang="ko-KR" altLang="en-US" sz="1800" dirty="0"/>
-              <a:t>리스트 검색</a:t>
-            </a:r>
-          </a:p>
-        </p:txBody>
-      </p:sp>
-    </p:spTree>
-    <p:extLst>
-      <p:ext uri="{BB962C8B-B14F-4D97-AF65-F5344CB8AC3E}">
-        <p14:creationId xmlns:p14="http://schemas.microsoft.com/office/powerpoint/2010/main" val="194953568"/>
       </p:ext>
     </p:extLst>
   </p:cSld>
